--- a/AI pre final.pptx
+++ b/AI pre final.pptx
@@ -3426,7 +3426,7 @@
         <p:spPr>
           <a:xfrm>
             <a:off x="771525" y="3479800"/>
-            <a:ext cx="9218930" cy="1568450"/>
+            <a:ext cx="10048875" cy="2306955"/>
           </a:xfrm>
           <a:prstGeom prst="rect">
             <a:avLst/>
@@ -3450,8 +3450,35 @@
           <a:p>
             <a:r>
               <a:rPr lang="en-US" altLang="zh-CN" sz="2400" b="1"/>
-              <a:t>After randomly picking 5 players online, our minimax won 4 out of 5 games, </a:t>
-            </a:r>
+              <a:t>After randomly picking 5 players online, our minimax won 5 out of 5 games, </a:t>
+            </a:r>
+            <a:r>
+              <a:rPr lang="en-US" altLang="zh-CN" sz="2400" b="1">
+                <a:sym typeface="+mn-ea"/>
+              </a:rPr>
+              <a:t>our MCT won 4 out of 5 games</a:t>
+            </a:r>
+            <a:r>
+              <a:rPr lang="zh-CN" altLang="en-US" sz="2400" b="1">
+                <a:sym typeface="+mn-ea"/>
+              </a:rPr>
+              <a:t>，</a:t>
+            </a:r>
+            <a:r>
+              <a:rPr lang="en-US" altLang="zh-CN" sz="2400" b="1">
+                <a:sym typeface="+mn-ea"/>
+              </a:rPr>
+              <a:t>our </a:t>
+            </a:r>
+            <a:r>
+              <a:rPr lang="en-US" altLang="zh-CN" sz="2400" b="1">
+                <a:sym typeface="+mn-ea"/>
+              </a:rPr>
+              <a:t>Qlearning_radom won 2 out of 5 games</a:t>
+            </a:r>
+            <a:endParaRPr lang="en-US" altLang="zh-CN" sz="2400" b="1"/>
+          </a:p>
+          <a:p>
             <a:endParaRPr lang="en-US" altLang="zh-CN" sz="2400" b="1"/>
           </a:p>
         </p:txBody>
@@ -3721,7 +3748,7 @@
             </a:pPr>
             <a:r>
               <a:rPr lang="en-US" altLang="zh-CN" sz="3200"/>
-              <a:t>use the agent we make ,</a:t>
+              <a:t>Use the agent we make ,</a:t>
             </a:r>
             <a:endParaRPr lang="en-US" altLang="zh-CN" sz="3200"/>
           </a:p>
@@ -3848,13 +3875,13 @@
         </p:nvSpPr>
         <p:spPr>
           <a:xfrm>
-            <a:off x="4534293" y="2986439"/>
-            <a:ext cx="3123414" cy="885121"/>
+            <a:off x="3769360" y="2746375"/>
+            <a:ext cx="5566410" cy="885190"/>
           </a:xfrm>
         </p:spPr>
         <p:txBody>
           <a:bodyPr>
-            <a:normAutofit fontScale="77500" lnSpcReduction="20000"/>
+            <a:noAutofit/>
           </a:bodyPr>
           <a:lstStyle/>
           <a:p>
@@ -3864,7 +3891,7 @@
               </a:spcBef>
             </a:pPr>
             <a:r>
-              <a:rPr lang="en-US" altLang="zh-CN" sz="6000" b="1" dirty="0">
+              <a:rPr lang="en-US" altLang="zh-CN" sz="5400" b="1" dirty="0">
                 <a:latin typeface="Times New Roman" panose="02020603050405020304" pitchFamily="18" charset="0"/>
                 <a:ea typeface="+mj-ea"/>
                 <a:cs typeface="Times New Roman" panose="02020603050405020304" pitchFamily="18" charset="0"/>
@@ -3872,22 +3899,22 @@
               <a:t>Thank</a:t>
             </a:r>
             <a:r>
-              <a:rPr lang="en-US" altLang="zh-CN" sz="4400" b="1" dirty="0">
+              <a:rPr lang="en-US" altLang="zh-CN" sz="4000" b="1" dirty="0">
                 <a:latin typeface="Times New Roman" panose="02020603050405020304" pitchFamily="18" charset="0"/>
                 <a:ea typeface="+mj-ea"/>
                 <a:cs typeface="Times New Roman" panose="02020603050405020304" pitchFamily="18" charset="0"/>
               </a:rPr>
-              <a:t> </a:t>
-            </a:r>
-            <a:r>
-              <a:rPr lang="en-US" altLang="zh-CN" sz="7100" b="1" dirty="0">
+              <a:t>   </a:t>
+            </a:r>
+            <a:r>
+              <a:rPr lang="en-US" altLang="zh-CN" sz="6600" b="1" dirty="0">
                 <a:latin typeface="Times New Roman" panose="02020603050405020304" pitchFamily="18" charset="0"/>
                 <a:ea typeface="+mj-ea"/>
                 <a:cs typeface="Times New Roman" panose="02020603050405020304" pitchFamily="18" charset="0"/>
               </a:rPr>
               <a:t>you</a:t>
             </a:r>
-            <a:endParaRPr lang="zh-CN" altLang="en-US" sz="7100" b="1" dirty="0">
+            <a:endParaRPr lang="en-US" altLang="zh-CN" sz="6600" b="1" dirty="0">
               <a:latin typeface="Times New Roman" panose="02020603050405020304" pitchFamily="18" charset="0"/>
               <a:ea typeface="+mj-ea"/>
               <a:cs typeface="Times New Roman" panose="02020603050405020304" pitchFamily="18" charset="0"/>
@@ -4522,7 +4549,12 @@
             <p:ph idx="1"/>
           </p:nvPr>
         </p:nvSpPr>
-        <p:spPr/>
+        <p:spPr>
+          <a:xfrm>
+            <a:off x="838200" y="1825625"/>
+            <a:ext cx="10917555" cy="4351655"/>
+          </a:xfrm>
+        </p:spPr>
         <p:txBody>
           <a:bodyPr/>
           <a:p>
